--- a/ppt/paper-struct.pptx
+++ b/ppt/paper-struct.pptx
@@ -2,12 +2,12 @@
 <file path=ppt/presentation.xml><?xml version="1.0" encoding="utf-8"?>
 <p:presentation xmlns:a="http://schemas.openxmlformats.org/drawingml/2006/main" xmlns:r="http://schemas.openxmlformats.org/officeDocument/2006/relationships" xmlns:p="http://schemas.openxmlformats.org/presentationml/2006/main" saveSubsetFonts="1">
   <p:sldMasterIdLst>
-    <p:sldMasterId id="2147483684" r:id="rId1"/>
+    <p:sldMasterId id="2147483696" r:id="rId1"/>
   </p:sldMasterIdLst>
   <p:sldIdLst>
     <p:sldId id="256" r:id="rId2"/>
   </p:sldIdLst>
-  <p:sldSz cx="5651500" cy="5400675"/>
+  <p:sldSz cx="6731000" cy="5400675"/>
   <p:notesSz cx="6858000" cy="9144000"/>
   <p:defaultTextStyle>
     <a:defPPr>
@@ -104,6 +104,11 @@
       </a:defRPr>
     </a:lvl9pPr>
   </p:defaultTextStyle>
+  <p:extLst>
+    <p:ext uri="{EFAFB233-063F-42B5-8137-9DF3F51BA10A}">
+      <p15:sldGuideLst xmlns:p15="http://schemas.microsoft.com/office/powerpoint/2012/main"/>
+    </p:ext>
+  </p:extLst>
 </p:presentation>
 </file>
 
@@ -136,15 +141,15 @@
         </p:nvSpPr>
         <p:spPr>
           <a:xfrm>
-            <a:off x="423863" y="883861"/>
-            <a:ext cx="4803775" cy="1880235"/>
+            <a:off x="504825" y="883861"/>
+            <a:ext cx="5721350" cy="1880235"/>
           </a:xfrm>
         </p:spPr>
         <p:txBody>
           <a:bodyPr anchor="b"/>
           <a:lstStyle>
             <a:lvl1pPr algn="ctr">
-              <a:defRPr sz="3709"/>
+              <a:defRPr sz="4417"/>
             </a:lvl1pPr>
           </a:lstStyle>
           <a:p>
@@ -168,8 +173,8 @@
         </p:nvSpPr>
         <p:spPr>
           <a:xfrm>
-            <a:off x="706438" y="2836605"/>
-            <a:ext cx="4238625" cy="1303913"/>
+            <a:off x="841375" y="2836605"/>
+            <a:ext cx="5048250" cy="1303913"/>
           </a:xfrm>
         </p:spPr>
         <p:txBody>
@@ -177,39 +182,39 @@
           <a:lstStyle>
             <a:lvl1pPr marL="0" indent="0" algn="ctr">
               <a:buNone/>
-              <a:defRPr sz="1483"/>
+              <a:defRPr sz="1767"/>
             </a:lvl1pPr>
-            <a:lvl2pPr marL="282595" indent="0" algn="ctr">
-              <a:buNone/>
-              <a:defRPr sz="1236"/>
+            <a:lvl2pPr marL="336545" indent="0" algn="ctr">
+              <a:buNone/>
+              <a:defRPr sz="1472"/>
             </a:lvl2pPr>
-            <a:lvl3pPr marL="565191" indent="0" algn="ctr">
-              <a:buNone/>
-              <a:defRPr sz="1113"/>
+            <a:lvl3pPr marL="673090" indent="0" algn="ctr">
+              <a:buNone/>
+              <a:defRPr sz="1325"/>
             </a:lvl3pPr>
-            <a:lvl4pPr marL="847786" indent="0" algn="ctr">
-              <a:buNone/>
-              <a:defRPr sz="989"/>
+            <a:lvl4pPr marL="1009635" indent="0" algn="ctr">
+              <a:buNone/>
+              <a:defRPr sz="1178"/>
             </a:lvl4pPr>
-            <a:lvl5pPr marL="1130381" indent="0" algn="ctr">
-              <a:buNone/>
-              <a:defRPr sz="989"/>
+            <a:lvl5pPr marL="1346180" indent="0" algn="ctr">
+              <a:buNone/>
+              <a:defRPr sz="1178"/>
             </a:lvl5pPr>
-            <a:lvl6pPr marL="1412977" indent="0" algn="ctr">
-              <a:buNone/>
-              <a:defRPr sz="989"/>
+            <a:lvl6pPr marL="1682725" indent="0" algn="ctr">
+              <a:buNone/>
+              <a:defRPr sz="1178"/>
             </a:lvl6pPr>
-            <a:lvl7pPr marL="1695572" indent="0" algn="ctr">
-              <a:buNone/>
-              <a:defRPr sz="989"/>
+            <a:lvl7pPr marL="2019270" indent="0" algn="ctr">
+              <a:buNone/>
+              <a:defRPr sz="1178"/>
             </a:lvl7pPr>
-            <a:lvl8pPr marL="1978167" indent="0" algn="ctr">
-              <a:buNone/>
-              <a:defRPr sz="989"/>
+            <a:lvl8pPr marL="2355814" indent="0" algn="ctr">
+              <a:buNone/>
+              <a:defRPr sz="1178"/>
             </a:lvl8pPr>
-            <a:lvl9pPr marL="2260763" indent="0" algn="ctr">
-              <a:buNone/>
-              <a:defRPr sz="989"/>
+            <a:lvl9pPr marL="2692359" indent="0" algn="ctr">
+              <a:buNone/>
+              <a:defRPr sz="1178"/>
             </a:lvl9pPr>
           </a:lstStyle>
           <a:p>
@@ -238,7 +243,7 @@
           <a:p>
             <a:fld id="{A0914544-0E96-4626-BE29-AAD164FB0D11}" type="datetimeFigureOut">
               <a:rPr lang="zh-CN" altLang="en-US" smtClean="0"/>
-              <a:t>2021/12/26</a:t>
+              <a:t>2021/12/29</a:t>
             </a:fld>
             <a:endParaRPr lang="zh-CN" altLang="en-US"/>
           </a:p>
@@ -289,7 +294,7 @@
     </p:spTree>
     <p:extLst>
       <p:ext uri="{BB962C8B-B14F-4D97-AF65-F5344CB8AC3E}">
-        <p14:creationId xmlns:p14="http://schemas.microsoft.com/office/powerpoint/2010/main" val="4150559650"/>
+        <p14:creationId xmlns:p14="http://schemas.microsoft.com/office/powerpoint/2010/main" val="468625465"/>
       </p:ext>
     </p:extLst>
   </p:cSld>
@@ -408,7 +413,7 @@
           <a:p>
             <a:fld id="{A0914544-0E96-4626-BE29-AAD164FB0D11}" type="datetimeFigureOut">
               <a:rPr lang="zh-CN" altLang="en-US" smtClean="0"/>
-              <a:t>2021/12/26</a:t>
+              <a:t>2021/12/29</a:t>
             </a:fld>
             <a:endParaRPr lang="zh-CN" altLang="en-US"/>
           </a:p>
@@ -459,7 +464,7 @@
     </p:spTree>
     <p:extLst>
       <p:ext uri="{BB962C8B-B14F-4D97-AF65-F5344CB8AC3E}">
-        <p14:creationId xmlns:p14="http://schemas.microsoft.com/office/powerpoint/2010/main" val="871783210"/>
+        <p14:creationId xmlns:p14="http://schemas.microsoft.com/office/powerpoint/2010/main" val="3074204191"/>
       </p:ext>
     </p:extLst>
   </p:cSld>
@@ -498,8 +503,8 @@
         </p:nvSpPr>
         <p:spPr>
           <a:xfrm>
-            <a:off x="4044355" y="287536"/>
-            <a:ext cx="1218605" cy="4576822"/>
+            <a:off x="4816872" y="287536"/>
+            <a:ext cx="1451372" cy="4576822"/>
           </a:xfrm>
         </p:spPr>
         <p:txBody>
@@ -526,8 +531,8 @@
         </p:nvSpPr>
         <p:spPr>
           <a:xfrm>
-            <a:off x="388541" y="287536"/>
-            <a:ext cx="3585170" cy="4576822"/>
+            <a:off x="462757" y="287536"/>
+            <a:ext cx="4269978" cy="4576822"/>
           </a:xfrm>
         </p:spPr>
         <p:txBody>
@@ -588,7 +593,7 @@
           <a:p>
             <a:fld id="{A0914544-0E96-4626-BE29-AAD164FB0D11}" type="datetimeFigureOut">
               <a:rPr lang="zh-CN" altLang="en-US" smtClean="0"/>
-              <a:t>2021/12/26</a:t>
+              <a:t>2021/12/29</a:t>
             </a:fld>
             <a:endParaRPr lang="zh-CN" altLang="en-US"/>
           </a:p>
@@ -639,7 +644,7 @@
     </p:spTree>
     <p:extLst>
       <p:ext uri="{BB962C8B-B14F-4D97-AF65-F5344CB8AC3E}">
-        <p14:creationId xmlns:p14="http://schemas.microsoft.com/office/powerpoint/2010/main" val="1876160508"/>
+        <p14:creationId xmlns:p14="http://schemas.microsoft.com/office/powerpoint/2010/main" val="2555501517"/>
       </p:ext>
     </p:extLst>
   </p:cSld>
@@ -758,7 +763,7 @@
           <a:p>
             <a:fld id="{A0914544-0E96-4626-BE29-AAD164FB0D11}" type="datetimeFigureOut">
               <a:rPr lang="zh-CN" altLang="en-US" smtClean="0"/>
-              <a:t>2021/12/26</a:t>
+              <a:t>2021/12/29</a:t>
             </a:fld>
             <a:endParaRPr lang="zh-CN" altLang="en-US"/>
           </a:p>
@@ -809,7 +814,7 @@
     </p:spTree>
     <p:extLst>
       <p:ext uri="{BB962C8B-B14F-4D97-AF65-F5344CB8AC3E}">
-        <p14:creationId xmlns:p14="http://schemas.microsoft.com/office/powerpoint/2010/main" val="1882270807"/>
+        <p14:creationId xmlns:p14="http://schemas.microsoft.com/office/powerpoint/2010/main" val="1341152361"/>
       </p:ext>
     </p:extLst>
   </p:cSld>
@@ -848,15 +853,15 @@
         </p:nvSpPr>
         <p:spPr>
           <a:xfrm>
-            <a:off x="385597" y="1346420"/>
-            <a:ext cx="4874419" cy="2246530"/>
+            <a:off x="459251" y="1346420"/>
+            <a:ext cx="5805488" cy="2246530"/>
           </a:xfrm>
         </p:spPr>
         <p:txBody>
           <a:bodyPr anchor="b"/>
           <a:lstStyle>
             <a:lvl1pPr>
-              <a:defRPr sz="3709"/>
+              <a:defRPr sz="4417"/>
             </a:lvl1pPr>
           </a:lstStyle>
           <a:p>
@@ -880,8 +885,8 @@
         </p:nvSpPr>
         <p:spPr>
           <a:xfrm>
-            <a:off x="385597" y="3614203"/>
-            <a:ext cx="4874419" cy="1181397"/>
+            <a:off x="459251" y="3614203"/>
+            <a:ext cx="5805488" cy="1181397"/>
           </a:xfrm>
         </p:spPr>
         <p:txBody>
@@ -889,15 +894,15 @@
           <a:lstStyle>
             <a:lvl1pPr marL="0" indent="0">
               <a:buNone/>
-              <a:defRPr sz="1483">
+              <a:defRPr sz="1767">
                 <a:solidFill>
                   <a:schemeClr val="tx1"/>
                 </a:solidFill>
               </a:defRPr>
             </a:lvl1pPr>
-            <a:lvl2pPr marL="282595" indent="0">
-              <a:buNone/>
-              <a:defRPr sz="1236">
+            <a:lvl2pPr marL="336545" indent="0">
+              <a:buNone/>
+              <a:defRPr sz="1472">
                 <a:solidFill>
                   <a:schemeClr val="tx1">
                     <a:tint val="75000"/>
@@ -905,9 +910,9 @@
                 </a:solidFill>
               </a:defRPr>
             </a:lvl2pPr>
-            <a:lvl3pPr marL="565191" indent="0">
-              <a:buNone/>
-              <a:defRPr sz="1113">
+            <a:lvl3pPr marL="673090" indent="0">
+              <a:buNone/>
+              <a:defRPr sz="1325">
                 <a:solidFill>
                   <a:schemeClr val="tx1">
                     <a:tint val="75000"/>
@@ -915,9 +920,9 @@
                 </a:solidFill>
               </a:defRPr>
             </a:lvl3pPr>
-            <a:lvl4pPr marL="847786" indent="0">
-              <a:buNone/>
-              <a:defRPr sz="989">
+            <a:lvl4pPr marL="1009635" indent="0">
+              <a:buNone/>
+              <a:defRPr sz="1178">
                 <a:solidFill>
                   <a:schemeClr val="tx1">
                     <a:tint val="75000"/>
@@ -925,9 +930,9 @@
                 </a:solidFill>
               </a:defRPr>
             </a:lvl4pPr>
-            <a:lvl5pPr marL="1130381" indent="0">
-              <a:buNone/>
-              <a:defRPr sz="989">
+            <a:lvl5pPr marL="1346180" indent="0">
+              <a:buNone/>
+              <a:defRPr sz="1178">
                 <a:solidFill>
                   <a:schemeClr val="tx1">
                     <a:tint val="75000"/>
@@ -935,9 +940,9 @@
                 </a:solidFill>
               </a:defRPr>
             </a:lvl5pPr>
-            <a:lvl6pPr marL="1412977" indent="0">
-              <a:buNone/>
-              <a:defRPr sz="989">
+            <a:lvl6pPr marL="1682725" indent="0">
+              <a:buNone/>
+              <a:defRPr sz="1178">
                 <a:solidFill>
                   <a:schemeClr val="tx1">
                     <a:tint val="75000"/>
@@ -945,9 +950,9 @@
                 </a:solidFill>
               </a:defRPr>
             </a:lvl6pPr>
-            <a:lvl7pPr marL="1695572" indent="0">
-              <a:buNone/>
-              <a:defRPr sz="989">
+            <a:lvl7pPr marL="2019270" indent="0">
+              <a:buNone/>
+              <a:defRPr sz="1178">
                 <a:solidFill>
                   <a:schemeClr val="tx1">
                     <a:tint val="75000"/>
@@ -955,9 +960,9 @@
                 </a:solidFill>
               </a:defRPr>
             </a:lvl7pPr>
-            <a:lvl8pPr marL="1978167" indent="0">
-              <a:buNone/>
-              <a:defRPr sz="989">
+            <a:lvl8pPr marL="2355814" indent="0">
+              <a:buNone/>
+              <a:defRPr sz="1178">
                 <a:solidFill>
                   <a:schemeClr val="tx1">
                     <a:tint val="75000"/>
@@ -965,9 +970,9 @@
                 </a:solidFill>
               </a:defRPr>
             </a:lvl8pPr>
-            <a:lvl9pPr marL="2260763" indent="0">
-              <a:buNone/>
-              <a:defRPr sz="989">
+            <a:lvl9pPr marL="2692359" indent="0">
+              <a:buNone/>
+              <a:defRPr sz="1178">
                 <a:solidFill>
                   <a:schemeClr val="tx1">
                     <a:tint val="75000"/>
@@ -1002,7 +1007,7 @@
           <a:p>
             <a:fld id="{A0914544-0E96-4626-BE29-AAD164FB0D11}" type="datetimeFigureOut">
               <a:rPr lang="zh-CN" altLang="en-US" smtClean="0"/>
-              <a:t>2021/12/26</a:t>
+              <a:t>2021/12/29</a:t>
             </a:fld>
             <a:endParaRPr lang="zh-CN" altLang="en-US"/>
           </a:p>
@@ -1053,7 +1058,7 @@
     </p:spTree>
     <p:extLst>
       <p:ext uri="{BB962C8B-B14F-4D97-AF65-F5344CB8AC3E}">
-        <p14:creationId xmlns:p14="http://schemas.microsoft.com/office/powerpoint/2010/main" val="2876551882"/>
+        <p14:creationId xmlns:p14="http://schemas.microsoft.com/office/powerpoint/2010/main" val="388832094"/>
       </p:ext>
     </p:extLst>
   </p:cSld>
@@ -1115,8 +1120,8 @@
         </p:nvSpPr>
         <p:spPr>
           <a:xfrm>
-            <a:off x="388540" y="1437680"/>
-            <a:ext cx="2401888" cy="3426679"/>
+            <a:off x="462756" y="1437680"/>
+            <a:ext cx="2860675" cy="3426679"/>
           </a:xfrm>
         </p:spPr>
         <p:txBody>
@@ -1172,8 +1177,8 @@
         </p:nvSpPr>
         <p:spPr>
           <a:xfrm>
-            <a:off x="2861072" y="1437680"/>
-            <a:ext cx="2401888" cy="3426679"/>
+            <a:off x="3407569" y="1437680"/>
+            <a:ext cx="2860675" cy="3426679"/>
           </a:xfrm>
         </p:spPr>
         <p:txBody>
@@ -1234,7 +1239,7 @@
           <a:p>
             <a:fld id="{A0914544-0E96-4626-BE29-AAD164FB0D11}" type="datetimeFigureOut">
               <a:rPr lang="zh-CN" altLang="en-US" smtClean="0"/>
-              <a:t>2021/12/26</a:t>
+              <a:t>2021/12/29</a:t>
             </a:fld>
             <a:endParaRPr lang="zh-CN" altLang="en-US"/>
           </a:p>
@@ -1285,7 +1290,7 @@
     </p:spTree>
     <p:extLst>
       <p:ext uri="{BB962C8B-B14F-4D97-AF65-F5344CB8AC3E}">
-        <p14:creationId xmlns:p14="http://schemas.microsoft.com/office/powerpoint/2010/main" val="2630858339"/>
+        <p14:creationId xmlns:p14="http://schemas.microsoft.com/office/powerpoint/2010/main" val="3544762441"/>
       </p:ext>
     </p:extLst>
   </p:cSld>
@@ -1324,8 +1329,8 @@
         </p:nvSpPr>
         <p:spPr>
           <a:xfrm>
-            <a:off x="389277" y="287537"/>
-            <a:ext cx="4874419" cy="1043881"/>
+            <a:off x="463633" y="287537"/>
+            <a:ext cx="5805488" cy="1043881"/>
           </a:xfrm>
         </p:spPr>
         <p:txBody>
@@ -1352,8 +1357,8 @@
         </p:nvSpPr>
         <p:spPr>
           <a:xfrm>
-            <a:off x="389277" y="1323916"/>
-            <a:ext cx="2390849" cy="648831"/>
+            <a:off x="463634" y="1323916"/>
+            <a:ext cx="2847528" cy="648831"/>
           </a:xfrm>
         </p:spPr>
         <p:txBody>
@@ -1361,39 +1366,39 @@
           <a:lstStyle>
             <a:lvl1pPr marL="0" indent="0">
               <a:buNone/>
-              <a:defRPr sz="1483" b="1"/>
+              <a:defRPr sz="1767" b="1"/>
             </a:lvl1pPr>
-            <a:lvl2pPr marL="282595" indent="0">
-              <a:buNone/>
-              <a:defRPr sz="1236" b="1"/>
+            <a:lvl2pPr marL="336545" indent="0">
+              <a:buNone/>
+              <a:defRPr sz="1472" b="1"/>
             </a:lvl2pPr>
-            <a:lvl3pPr marL="565191" indent="0">
-              <a:buNone/>
-              <a:defRPr sz="1113" b="1"/>
+            <a:lvl3pPr marL="673090" indent="0">
+              <a:buNone/>
+              <a:defRPr sz="1325" b="1"/>
             </a:lvl3pPr>
-            <a:lvl4pPr marL="847786" indent="0">
-              <a:buNone/>
-              <a:defRPr sz="989" b="1"/>
+            <a:lvl4pPr marL="1009635" indent="0">
+              <a:buNone/>
+              <a:defRPr sz="1178" b="1"/>
             </a:lvl4pPr>
-            <a:lvl5pPr marL="1130381" indent="0">
-              <a:buNone/>
-              <a:defRPr sz="989" b="1"/>
+            <a:lvl5pPr marL="1346180" indent="0">
+              <a:buNone/>
+              <a:defRPr sz="1178" b="1"/>
             </a:lvl5pPr>
-            <a:lvl6pPr marL="1412977" indent="0">
-              <a:buNone/>
-              <a:defRPr sz="989" b="1"/>
+            <a:lvl6pPr marL="1682725" indent="0">
+              <a:buNone/>
+              <a:defRPr sz="1178" b="1"/>
             </a:lvl6pPr>
-            <a:lvl7pPr marL="1695572" indent="0">
-              <a:buNone/>
-              <a:defRPr sz="989" b="1"/>
+            <a:lvl7pPr marL="2019270" indent="0">
+              <a:buNone/>
+              <a:defRPr sz="1178" b="1"/>
             </a:lvl7pPr>
-            <a:lvl8pPr marL="1978167" indent="0">
-              <a:buNone/>
-              <a:defRPr sz="989" b="1"/>
+            <a:lvl8pPr marL="2355814" indent="0">
+              <a:buNone/>
+              <a:defRPr sz="1178" b="1"/>
             </a:lvl8pPr>
-            <a:lvl9pPr marL="2260763" indent="0">
-              <a:buNone/>
-              <a:defRPr sz="989" b="1"/>
+            <a:lvl9pPr marL="2692359" indent="0">
+              <a:buNone/>
+              <a:defRPr sz="1178" b="1"/>
             </a:lvl9pPr>
           </a:lstStyle>
           <a:p>
@@ -1417,8 +1422,8 @@
         </p:nvSpPr>
         <p:spPr>
           <a:xfrm>
-            <a:off x="389277" y="1972747"/>
-            <a:ext cx="2390849" cy="2901613"/>
+            <a:off x="463634" y="1972747"/>
+            <a:ext cx="2847528" cy="2901613"/>
           </a:xfrm>
         </p:spPr>
         <p:txBody>
@@ -1474,8 +1479,8 @@
         </p:nvSpPr>
         <p:spPr>
           <a:xfrm>
-            <a:off x="2861072" y="1323916"/>
-            <a:ext cx="2402624" cy="648831"/>
+            <a:off x="3407569" y="1323916"/>
+            <a:ext cx="2861552" cy="648831"/>
           </a:xfrm>
         </p:spPr>
         <p:txBody>
@@ -1483,39 +1488,39 @@
           <a:lstStyle>
             <a:lvl1pPr marL="0" indent="0">
               <a:buNone/>
-              <a:defRPr sz="1483" b="1"/>
+              <a:defRPr sz="1767" b="1"/>
             </a:lvl1pPr>
-            <a:lvl2pPr marL="282595" indent="0">
-              <a:buNone/>
-              <a:defRPr sz="1236" b="1"/>
+            <a:lvl2pPr marL="336545" indent="0">
+              <a:buNone/>
+              <a:defRPr sz="1472" b="1"/>
             </a:lvl2pPr>
-            <a:lvl3pPr marL="565191" indent="0">
-              <a:buNone/>
-              <a:defRPr sz="1113" b="1"/>
+            <a:lvl3pPr marL="673090" indent="0">
+              <a:buNone/>
+              <a:defRPr sz="1325" b="1"/>
             </a:lvl3pPr>
-            <a:lvl4pPr marL="847786" indent="0">
-              <a:buNone/>
-              <a:defRPr sz="989" b="1"/>
+            <a:lvl4pPr marL="1009635" indent="0">
+              <a:buNone/>
+              <a:defRPr sz="1178" b="1"/>
             </a:lvl4pPr>
-            <a:lvl5pPr marL="1130381" indent="0">
-              <a:buNone/>
-              <a:defRPr sz="989" b="1"/>
+            <a:lvl5pPr marL="1346180" indent="0">
+              <a:buNone/>
+              <a:defRPr sz="1178" b="1"/>
             </a:lvl5pPr>
-            <a:lvl6pPr marL="1412977" indent="0">
-              <a:buNone/>
-              <a:defRPr sz="989" b="1"/>
+            <a:lvl6pPr marL="1682725" indent="0">
+              <a:buNone/>
+              <a:defRPr sz="1178" b="1"/>
             </a:lvl6pPr>
-            <a:lvl7pPr marL="1695572" indent="0">
-              <a:buNone/>
-              <a:defRPr sz="989" b="1"/>
+            <a:lvl7pPr marL="2019270" indent="0">
+              <a:buNone/>
+              <a:defRPr sz="1178" b="1"/>
             </a:lvl7pPr>
-            <a:lvl8pPr marL="1978167" indent="0">
-              <a:buNone/>
-              <a:defRPr sz="989" b="1"/>
+            <a:lvl8pPr marL="2355814" indent="0">
+              <a:buNone/>
+              <a:defRPr sz="1178" b="1"/>
             </a:lvl8pPr>
-            <a:lvl9pPr marL="2260763" indent="0">
-              <a:buNone/>
-              <a:defRPr sz="989" b="1"/>
+            <a:lvl9pPr marL="2692359" indent="0">
+              <a:buNone/>
+              <a:defRPr sz="1178" b="1"/>
             </a:lvl9pPr>
           </a:lstStyle>
           <a:p>
@@ -1539,8 +1544,8 @@
         </p:nvSpPr>
         <p:spPr>
           <a:xfrm>
-            <a:off x="2861072" y="1972747"/>
-            <a:ext cx="2402624" cy="2901613"/>
+            <a:off x="3407569" y="1972747"/>
+            <a:ext cx="2861552" cy="2901613"/>
           </a:xfrm>
         </p:spPr>
         <p:txBody>
@@ -1601,7 +1606,7 @@
           <a:p>
             <a:fld id="{A0914544-0E96-4626-BE29-AAD164FB0D11}" type="datetimeFigureOut">
               <a:rPr lang="zh-CN" altLang="en-US" smtClean="0"/>
-              <a:t>2021/12/26</a:t>
+              <a:t>2021/12/29</a:t>
             </a:fld>
             <a:endParaRPr lang="zh-CN" altLang="en-US"/>
           </a:p>
@@ -1652,7 +1657,7 @@
     </p:spTree>
     <p:extLst>
       <p:ext uri="{BB962C8B-B14F-4D97-AF65-F5344CB8AC3E}">
-        <p14:creationId xmlns:p14="http://schemas.microsoft.com/office/powerpoint/2010/main" val="1506237649"/>
+        <p14:creationId xmlns:p14="http://schemas.microsoft.com/office/powerpoint/2010/main" val="151422834"/>
       </p:ext>
     </p:extLst>
   </p:cSld>
@@ -1719,7 +1724,7 @@
           <a:p>
             <a:fld id="{A0914544-0E96-4626-BE29-AAD164FB0D11}" type="datetimeFigureOut">
               <a:rPr lang="zh-CN" altLang="en-US" smtClean="0"/>
-              <a:t>2021/12/26</a:t>
+              <a:t>2021/12/29</a:t>
             </a:fld>
             <a:endParaRPr lang="zh-CN" altLang="en-US"/>
           </a:p>
@@ -1770,7 +1775,7 @@
     </p:spTree>
     <p:extLst>
       <p:ext uri="{BB962C8B-B14F-4D97-AF65-F5344CB8AC3E}">
-        <p14:creationId xmlns:p14="http://schemas.microsoft.com/office/powerpoint/2010/main" val="3378602010"/>
+        <p14:creationId xmlns:p14="http://schemas.microsoft.com/office/powerpoint/2010/main" val="372898600"/>
       </p:ext>
     </p:extLst>
   </p:cSld>
@@ -1814,7 +1819,7 @@
           <a:p>
             <a:fld id="{A0914544-0E96-4626-BE29-AAD164FB0D11}" type="datetimeFigureOut">
               <a:rPr lang="zh-CN" altLang="en-US" smtClean="0"/>
-              <a:t>2021/12/26</a:t>
+              <a:t>2021/12/29</a:t>
             </a:fld>
             <a:endParaRPr lang="zh-CN" altLang="en-US"/>
           </a:p>
@@ -1865,7 +1870,7 @@
     </p:spTree>
     <p:extLst>
       <p:ext uri="{BB962C8B-B14F-4D97-AF65-F5344CB8AC3E}">
-        <p14:creationId xmlns:p14="http://schemas.microsoft.com/office/powerpoint/2010/main" val="1640612580"/>
+        <p14:creationId xmlns:p14="http://schemas.microsoft.com/office/powerpoint/2010/main" val="4080678496"/>
       </p:ext>
     </p:extLst>
   </p:cSld>
@@ -1904,15 +1909,15 @@
         </p:nvSpPr>
         <p:spPr>
           <a:xfrm>
-            <a:off x="389277" y="360045"/>
-            <a:ext cx="1822756" cy="1260158"/>
+            <a:off x="463633" y="360045"/>
+            <a:ext cx="2170923" cy="1260158"/>
           </a:xfrm>
         </p:spPr>
         <p:txBody>
           <a:bodyPr anchor="b"/>
           <a:lstStyle>
             <a:lvl1pPr>
-              <a:defRPr sz="1978"/>
+              <a:defRPr sz="2356"/>
             </a:lvl1pPr>
           </a:lstStyle>
           <a:p>
@@ -1936,39 +1941,39 @@
         </p:nvSpPr>
         <p:spPr>
           <a:xfrm>
-            <a:off x="2402624" y="777598"/>
-            <a:ext cx="2861072" cy="3837980"/>
+            <a:off x="2861552" y="777598"/>
+            <a:ext cx="3407569" cy="3837980"/>
           </a:xfrm>
         </p:spPr>
         <p:txBody>
           <a:bodyPr/>
           <a:lstStyle>
             <a:lvl1pPr>
-              <a:defRPr sz="1978"/>
+              <a:defRPr sz="2356"/>
             </a:lvl1pPr>
             <a:lvl2pPr>
-              <a:defRPr sz="1731"/>
+              <a:defRPr sz="2061"/>
             </a:lvl2pPr>
             <a:lvl3pPr>
-              <a:defRPr sz="1483"/>
+              <a:defRPr sz="1767"/>
             </a:lvl3pPr>
             <a:lvl4pPr>
-              <a:defRPr sz="1236"/>
+              <a:defRPr sz="1472"/>
             </a:lvl4pPr>
             <a:lvl5pPr>
-              <a:defRPr sz="1236"/>
+              <a:defRPr sz="1472"/>
             </a:lvl5pPr>
             <a:lvl6pPr>
-              <a:defRPr sz="1236"/>
+              <a:defRPr sz="1472"/>
             </a:lvl6pPr>
             <a:lvl7pPr>
-              <a:defRPr sz="1236"/>
+              <a:defRPr sz="1472"/>
             </a:lvl7pPr>
             <a:lvl8pPr>
-              <a:defRPr sz="1236"/>
+              <a:defRPr sz="1472"/>
             </a:lvl8pPr>
             <a:lvl9pPr>
-              <a:defRPr sz="1236"/>
+              <a:defRPr sz="1472"/>
             </a:lvl9pPr>
           </a:lstStyle>
           <a:p>
@@ -2021,8 +2026,8 @@
         </p:nvSpPr>
         <p:spPr>
           <a:xfrm>
-            <a:off x="389277" y="1620202"/>
-            <a:ext cx="1822756" cy="3001626"/>
+            <a:off x="463633" y="1620202"/>
+            <a:ext cx="2170923" cy="3001626"/>
           </a:xfrm>
         </p:spPr>
         <p:txBody>
@@ -2030,39 +2035,39 @@
           <a:lstStyle>
             <a:lvl1pPr marL="0" indent="0">
               <a:buNone/>
-              <a:defRPr sz="989"/>
+              <a:defRPr sz="1178"/>
             </a:lvl1pPr>
-            <a:lvl2pPr marL="282595" indent="0">
-              <a:buNone/>
-              <a:defRPr sz="865"/>
+            <a:lvl2pPr marL="336545" indent="0">
+              <a:buNone/>
+              <a:defRPr sz="1031"/>
             </a:lvl2pPr>
-            <a:lvl3pPr marL="565191" indent="0">
-              <a:buNone/>
-              <a:defRPr sz="742"/>
+            <a:lvl3pPr marL="673090" indent="0">
+              <a:buNone/>
+              <a:defRPr sz="883"/>
             </a:lvl3pPr>
-            <a:lvl4pPr marL="847786" indent="0">
-              <a:buNone/>
-              <a:defRPr sz="618"/>
+            <a:lvl4pPr marL="1009635" indent="0">
+              <a:buNone/>
+              <a:defRPr sz="736"/>
             </a:lvl4pPr>
-            <a:lvl5pPr marL="1130381" indent="0">
-              <a:buNone/>
-              <a:defRPr sz="618"/>
+            <a:lvl5pPr marL="1346180" indent="0">
+              <a:buNone/>
+              <a:defRPr sz="736"/>
             </a:lvl5pPr>
-            <a:lvl6pPr marL="1412977" indent="0">
-              <a:buNone/>
-              <a:defRPr sz="618"/>
+            <a:lvl6pPr marL="1682725" indent="0">
+              <a:buNone/>
+              <a:defRPr sz="736"/>
             </a:lvl6pPr>
-            <a:lvl7pPr marL="1695572" indent="0">
-              <a:buNone/>
-              <a:defRPr sz="618"/>
+            <a:lvl7pPr marL="2019270" indent="0">
+              <a:buNone/>
+              <a:defRPr sz="736"/>
             </a:lvl7pPr>
-            <a:lvl8pPr marL="1978167" indent="0">
-              <a:buNone/>
-              <a:defRPr sz="618"/>
+            <a:lvl8pPr marL="2355814" indent="0">
+              <a:buNone/>
+              <a:defRPr sz="736"/>
             </a:lvl8pPr>
-            <a:lvl9pPr marL="2260763" indent="0">
-              <a:buNone/>
-              <a:defRPr sz="618"/>
+            <a:lvl9pPr marL="2692359" indent="0">
+              <a:buNone/>
+              <a:defRPr sz="736"/>
             </a:lvl9pPr>
           </a:lstStyle>
           <a:p>
@@ -2091,7 +2096,7 @@
           <a:p>
             <a:fld id="{A0914544-0E96-4626-BE29-AAD164FB0D11}" type="datetimeFigureOut">
               <a:rPr lang="zh-CN" altLang="en-US" smtClean="0"/>
-              <a:t>2021/12/26</a:t>
+              <a:t>2021/12/29</a:t>
             </a:fld>
             <a:endParaRPr lang="zh-CN" altLang="en-US"/>
           </a:p>
@@ -2142,7 +2147,7 @@
     </p:spTree>
     <p:extLst>
       <p:ext uri="{BB962C8B-B14F-4D97-AF65-F5344CB8AC3E}">
-        <p14:creationId xmlns:p14="http://schemas.microsoft.com/office/powerpoint/2010/main" val="202835102"/>
+        <p14:creationId xmlns:p14="http://schemas.microsoft.com/office/powerpoint/2010/main" val="3629452328"/>
       </p:ext>
     </p:extLst>
   </p:cSld>
@@ -2181,15 +2186,15 @@
         </p:nvSpPr>
         <p:spPr>
           <a:xfrm>
-            <a:off x="389277" y="360045"/>
-            <a:ext cx="1822756" cy="1260158"/>
+            <a:off x="463633" y="360045"/>
+            <a:ext cx="2170923" cy="1260158"/>
           </a:xfrm>
         </p:spPr>
         <p:txBody>
           <a:bodyPr anchor="b"/>
           <a:lstStyle>
             <a:lvl1pPr>
-              <a:defRPr sz="1978"/>
+              <a:defRPr sz="2356"/>
             </a:lvl1pPr>
           </a:lstStyle>
           <a:p>
@@ -2213,8 +2218,8 @@
         </p:nvSpPr>
         <p:spPr>
           <a:xfrm>
-            <a:off x="2402624" y="777598"/>
-            <a:ext cx="2861072" cy="3837980"/>
+            <a:off x="2861552" y="777598"/>
+            <a:ext cx="3407569" cy="3837980"/>
           </a:xfrm>
         </p:spPr>
         <p:txBody>
@@ -2222,39 +2227,39 @@
           <a:lstStyle>
             <a:lvl1pPr marL="0" indent="0">
               <a:buNone/>
-              <a:defRPr sz="1978"/>
+              <a:defRPr sz="2356"/>
             </a:lvl1pPr>
-            <a:lvl2pPr marL="282595" indent="0">
-              <a:buNone/>
-              <a:defRPr sz="1731"/>
+            <a:lvl2pPr marL="336545" indent="0">
+              <a:buNone/>
+              <a:defRPr sz="2061"/>
             </a:lvl2pPr>
-            <a:lvl3pPr marL="565191" indent="0">
-              <a:buNone/>
-              <a:defRPr sz="1483"/>
+            <a:lvl3pPr marL="673090" indent="0">
+              <a:buNone/>
+              <a:defRPr sz="1767"/>
             </a:lvl3pPr>
-            <a:lvl4pPr marL="847786" indent="0">
-              <a:buNone/>
-              <a:defRPr sz="1236"/>
+            <a:lvl4pPr marL="1009635" indent="0">
+              <a:buNone/>
+              <a:defRPr sz="1472"/>
             </a:lvl4pPr>
-            <a:lvl5pPr marL="1130381" indent="0">
-              <a:buNone/>
-              <a:defRPr sz="1236"/>
+            <a:lvl5pPr marL="1346180" indent="0">
+              <a:buNone/>
+              <a:defRPr sz="1472"/>
             </a:lvl5pPr>
-            <a:lvl6pPr marL="1412977" indent="0">
-              <a:buNone/>
-              <a:defRPr sz="1236"/>
+            <a:lvl6pPr marL="1682725" indent="0">
+              <a:buNone/>
+              <a:defRPr sz="1472"/>
             </a:lvl6pPr>
-            <a:lvl7pPr marL="1695572" indent="0">
-              <a:buNone/>
-              <a:defRPr sz="1236"/>
+            <a:lvl7pPr marL="2019270" indent="0">
+              <a:buNone/>
+              <a:defRPr sz="1472"/>
             </a:lvl7pPr>
-            <a:lvl8pPr marL="1978167" indent="0">
-              <a:buNone/>
-              <a:defRPr sz="1236"/>
+            <a:lvl8pPr marL="2355814" indent="0">
+              <a:buNone/>
+              <a:defRPr sz="1472"/>
             </a:lvl8pPr>
-            <a:lvl9pPr marL="2260763" indent="0">
-              <a:buNone/>
-              <a:defRPr sz="1236"/>
+            <a:lvl9pPr marL="2692359" indent="0">
+              <a:buNone/>
+              <a:defRPr sz="1472"/>
             </a:lvl9pPr>
           </a:lstStyle>
           <a:p>
@@ -2278,8 +2283,8 @@
         </p:nvSpPr>
         <p:spPr>
           <a:xfrm>
-            <a:off x="389277" y="1620202"/>
-            <a:ext cx="1822756" cy="3001626"/>
+            <a:off x="463633" y="1620202"/>
+            <a:ext cx="2170923" cy="3001626"/>
           </a:xfrm>
         </p:spPr>
         <p:txBody>
@@ -2287,39 +2292,39 @@
           <a:lstStyle>
             <a:lvl1pPr marL="0" indent="0">
               <a:buNone/>
-              <a:defRPr sz="989"/>
+              <a:defRPr sz="1178"/>
             </a:lvl1pPr>
-            <a:lvl2pPr marL="282595" indent="0">
-              <a:buNone/>
-              <a:defRPr sz="865"/>
+            <a:lvl2pPr marL="336545" indent="0">
+              <a:buNone/>
+              <a:defRPr sz="1031"/>
             </a:lvl2pPr>
-            <a:lvl3pPr marL="565191" indent="0">
-              <a:buNone/>
-              <a:defRPr sz="742"/>
+            <a:lvl3pPr marL="673090" indent="0">
+              <a:buNone/>
+              <a:defRPr sz="883"/>
             </a:lvl3pPr>
-            <a:lvl4pPr marL="847786" indent="0">
-              <a:buNone/>
-              <a:defRPr sz="618"/>
+            <a:lvl4pPr marL="1009635" indent="0">
+              <a:buNone/>
+              <a:defRPr sz="736"/>
             </a:lvl4pPr>
-            <a:lvl5pPr marL="1130381" indent="0">
-              <a:buNone/>
-              <a:defRPr sz="618"/>
+            <a:lvl5pPr marL="1346180" indent="0">
+              <a:buNone/>
+              <a:defRPr sz="736"/>
             </a:lvl5pPr>
-            <a:lvl6pPr marL="1412977" indent="0">
-              <a:buNone/>
-              <a:defRPr sz="618"/>
+            <a:lvl6pPr marL="1682725" indent="0">
+              <a:buNone/>
+              <a:defRPr sz="736"/>
             </a:lvl6pPr>
-            <a:lvl7pPr marL="1695572" indent="0">
-              <a:buNone/>
-              <a:defRPr sz="618"/>
+            <a:lvl7pPr marL="2019270" indent="0">
+              <a:buNone/>
+              <a:defRPr sz="736"/>
             </a:lvl7pPr>
-            <a:lvl8pPr marL="1978167" indent="0">
-              <a:buNone/>
-              <a:defRPr sz="618"/>
+            <a:lvl8pPr marL="2355814" indent="0">
+              <a:buNone/>
+              <a:defRPr sz="736"/>
             </a:lvl8pPr>
-            <a:lvl9pPr marL="2260763" indent="0">
-              <a:buNone/>
-              <a:defRPr sz="618"/>
+            <a:lvl9pPr marL="2692359" indent="0">
+              <a:buNone/>
+              <a:defRPr sz="736"/>
             </a:lvl9pPr>
           </a:lstStyle>
           <a:p>
@@ -2348,7 +2353,7 @@
           <a:p>
             <a:fld id="{A0914544-0E96-4626-BE29-AAD164FB0D11}" type="datetimeFigureOut">
               <a:rPr lang="zh-CN" altLang="en-US" smtClean="0"/>
-              <a:t>2021/12/26</a:t>
+              <a:t>2021/12/29</a:t>
             </a:fld>
             <a:endParaRPr lang="zh-CN" altLang="en-US"/>
           </a:p>
@@ -2399,7 +2404,7 @@
     </p:spTree>
     <p:extLst>
       <p:ext uri="{BB962C8B-B14F-4D97-AF65-F5344CB8AC3E}">
-        <p14:creationId xmlns:p14="http://schemas.microsoft.com/office/powerpoint/2010/main" val="558433971"/>
+        <p14:creationId xmlns:p14="http://schemas.microsoft.com/office/powerpoint/2010/main" val="1858387115"/>
       </p:ext>
     </p:extLst>
   </p:cSld>
@@ -2443,8 +2448,8 @@
         </p:nvSpPr>
         <p:spPr>
           <a:xfrm>
-            <a:off x="388541" y="287537"/>
-            <a:ext cx="4874419" cy="1043881"/>
+            <a:off x="462756" y="287537"/>
+            <a:ext cx="5805488" cy="1043881"/>
           </a:xfrm>
           <a:prstGeom prst="rect">
             <a:avLst/>
@@ -2476,8 +2481,8 @@
         </p:nvSpPr>
         <p:spPr>
           <a:xfrm>
-            <a:off x="388541" y="1437680"/>
-            <a:ext cx="4874419" cy="3426679"/>
+            <a:off x="462756" y="1437680"/>
+            <a:ext cx="5805488" cy="3426679"/>
           </a:xfrm>
           <a:prstGeom prst="rect">
             <a:avLst/>
@@ -2538,8 +2543,8 @@
         </p:nvSpPr>
         <p:spPr>
           <a:xfrm>
-            <a:off x="388540" y="5005627"/>
-            <a:ext cx="1271588" cy="287536"/>
+            <a:off x="462756" y="5005627"/>
+            <a:ext cx="1514475" cy="287536"/>
           </a:xfrm>
           <a:prstGeom prst="rect">
             <a:avLst/>
@@ -2549,7 +2554,7 @@
           <a:bodyPr vert="horz" lIns="91440" tIns="45720" rIns="91440" bIns="45720" rtlCol="0" anchor="ctr"/>
           <a:lstStyle>
             <a:lvl1pPr algn="l">
-              <a:defRPr sz="742">
+              <a:defRPr sz="883">
                 <a:solidFill>
                   <a:schemeClr val="tx1">
                     <a:tint val="75000"/>
@@ -2561,7 +2566,7 @@
           <a:p>
             <a:fld id="{A0914544-0E96-4626-BE29-AAD164FB0D11}" type="datetimeFigureOut">
               <a:rPr lang="zh-CN" altLang="en-US" smtClean="0"/>
-              <a:t>2021/12/26</a:t>
+              <a:t>2021/12/29</a:t>
             </a:fld>
             <a:endParaRPr lang="zh-CN" altLang="en-US"/>
           </a:p>
@@ -2579,8 +2584,8 @@
         </p:nvSpPr>
         <p:spPr>
           <a:xfrm>
-            <a:off x="1872060" y="5005627"/>
-            <a:ext cx="1907381" cy="287536"/>
+            <a:off x="2229644" y="5005627"/>
+            <a:ext cx="2271713" cy="287536"/>
           </a:xfrm>
           <a:prstGeom prst="rect">
             <a:avLst/>
@@ -2590,7 +2595,7 @@
           <a:bodyPr vert="horz" lIns="91440" tIns="45720" rIns="91440" bIns="45720" rtlCol="0" anchor="ctr"/>
           <a:lstStyle>
             <a:lvl1pPr algn="ctr">
-              <a:defRPr sz="742">
+              <a:defRPr sz="883">
                 <a:solidFill>
                   <a:schemeClr val="tx1">
                     <a:tint val="75000"/>
@@ -2616,8 +2621,8 @@
         </p:nvSpPr>
         <p:spPr>
           <a:xfrm>
-            <a:off x="3991372" y="5005627"/>
-            <a:ext cx="1271588" cy="287536"/>
+            <a:off x="4753769" y="5005627"/>
+            <a:ext cx="1514475" cy="287536"/>
           </a:xfrm>
           <a:prstGeom prst="rect">
             <a:avLst/>
@@ -2627,7 +2632,7 @@
           <a:bodyPr vert="horz" lIns="91440" tIns="45720" rIns="91440" bIns="45720" rtlCol="0" anchor="ctr"/>
           <a:lstStyle>
             <a:lvl1pPr algn="r">
-              <a:defRPr sz="742">
+              <a:defRPr sz="883">
                 <a:solidFill>
                   <a:schemeClr val="tx1">
                     <a:tint val="75000"/>
@@ -2648,27 +2653,27 @@
     </p:spTree>
     <p:extLst>
       <p:ext uri="{BB962C8B-B14F-4D97-AF65-F5344CB8AC3E}">
-        <p14:creationId xmlns:p14="http://schemas.microsoft.com/office/powerpoint/2010/main" val="2799034891"/>
+        <p14:creationId xmlns:p14="http://schemas.microsoft.com/office/powerpoint/2010/main" val="3133536735"/>
       </p:ext>
     </p:extLst>
   </p:cSld>
   <p:clrMap bg1="lt1" tx1="dk1" bg2="lt2" tx2="dk2" accent1="accent1" accent2="accent2" accent3="accent3" accent4="accent4" accent5="accent5" accent6="accent6" hlink="hlink" folHlink="folHlink"/>
   <p:sldLayoutIdLst>
-    <p:sldLayoutId id="2147483685" r:id="rId1"/>
-    <p:sldLayoutId id="2147483686" r:id="rId2"/>
-    <p:sldLayoutId id="2147483687" r:id="rId3"/>
-    <p:sldLayoutId id="2147483688" r:id="rId4"/>
-    <p:sldLayoutId id="2147483689" r:id="rId5"/>
-    <p:sldLayoutId id="2147483690" r:id="rId6"/>
-    <p:sldLayoutId id="2147483691" r:id="rId7"/>
-    <p:sldLayoutId id="2147483692" r:id="rId8"/>
-    <p:sldLayoutId id="2147483693" r:id="rId9"/>
-    <p:sldLayoutId id="2147483694" r:id="rId10"/>
-    <p:sldLayoutId id="2147483695" r:id="rId11"/>
+    <p:sldLayoutId id="2147483697" r:id="rId1"/>
+    <p:sldLayoutId id="2147483698" r:id="rId2"/>
+    <p:sldLayoutId id="2147483699" r:id="rId3"/>
+    <p:sldLayoutId id="2147483700" r:id="rId4"/>
+    <p:sldLayoutId id="2147483701" r:id="rId5"/>
+    <p:sldLayoutId id="2147483702" r:id="rId6"/>
+    <p:sldLayoutId id="2147483703" r:id="rId7"/>
+    <p:sldLayoutId id="2147483704" r:id="rId8"/>
+    <p:sldLayoutId id="2147483705" r:id="rId9"/>
+    <p:sldLayoutId id="2147483706" r:id="rId10"/>
+    <p:sldLayoutId id="2147483707" r:id="rId11"/>
   </p:sldLayoutIdLst>
   <p:txStyles>
     <p:titleStyle>
-      <a:lvl1pPr algn="l" defTabSz="565191" rtl="0" eaLnBrk="1" latinLnBrk="0" hangingPunct="1">
+      <a:lvl1pPr algn="l" defTabSz="673090" rtl="0" eaLnBrk="1" latinLnBrk="0" hangingPunct="1">
         <a:lnSpc>
           <a:spcPct val="90000"/>
         </a:lnSpc>
@@ -2676,7 +2681,7 @@
           <a:spcPct val="0"/>
         </a:spcBef>
         <a:buNone/>
-        <a:defRPr sz="2720" kern="1200">
+        <a:defRPr sz="3239" kern="1200">
           <a:solidFill>
             <a:schemeClr val="tx1"/>
           </a:solidFill>
@@ -2687,16 +2692,16 @@
       </a:lvl1pPr>
     </p:titleStyle>
     <p:bodyStyle>
-      <a:lvl1pPr marL="141298" indent="-141298" algn="l" defTabSz="565191" rtl="0" eaLnBrk="1" latinLnBrk="0" hangingPunct="1">
+      <a:lvl1pPr marL="168272" indent="-168272" algn="l" defTabSz="673090" rtl="0" eaLnBrk="1" latinLnBrk="0" hangingPunct="1">
         <a:lnSpc>
           <a:spcPct val="90000"/>
         </a:lnSpc>
         <a:spcBef>
-          <a:spcPts val="618"/>
+          <a:spcPts val="736"/>
         </a:spcBef>
         <a:buFont typeface="Arial" panose="020B0604020202020204" pitchFamily="34" charset="0"/>
         <a:buChar char="•"/>
-        <a:defRPr sz="1731" kern="1200">
+        <a:defRPr sz="2061" kern="1200">
           <a:solidFill>
             <a:schemeClr val="tx1"/>
           </a:solidFill>
@@ -2705,16 +2710,16 @@
           <a:cs typeface="+mn-cs"/>
         </a:defRPr>
       </a:lvl1pPr>
-      <a:lvl2pPr marL="423893" indent="-141298" algn="l" defTabSz="565191" rtl="0" eaLnBrk="1" latinLnBrk="0" hangingPunct="1">
+      <a:lvl2pPr marL="504817" indent="-168272" algn="l" defTabSz="673090" rtl="0" eaLnBrk="1" latinLnBrk="0" hangingPunct="1">
         <a:lnSpc>
           <a:spcPct val="90000"/>
         </a:lnSpc>
         <a:spcBef>
-          <a:spcPts val="309"/>
+          <a:spcPts val="368"/>
         </a:spcBef>
         <a:buFont typeface="Arial" panose="020B0604020202020204" pitchFamily="34" charset="0"/>
         <a:buChar char="•"/>
-        <a:defRPr sz="1483" kern="1200">
+        <a:defRPr sz="1767" kern="1200">
           <a:solidFill>
             <a:schemeClr val="tx1"/>
           </a:solidFill>
@@ -2723,16 +2728,16 @@
           <a:cs typeface="+mn-cs"/>
         </a:defRPr>
       </a:lvl2pPr>
-      <a:lvl3pPr marL="706488" indent="-141298" algn="l" defTabSz="565191" rtl="0" eaLnBrk="1" latinLnBrk="0" hangingPunct="1">
+      <a:lvl3pPr marL="841362" indent="-168272" algn="l" defTabSz="673090" rtl="0" eaLnBrk="1" latinLnBrk="0" hangingPunct="1">
         <a:lnSpc>
           <a:spcPct val="90000"/>
         </a:lnSpc>
         <a:spcBef>
-          <a:spcPts val="309"/>
+          <a:spcPts val="368"/>
         </a:spcBef>
         <a:buFont typeface="Arial" panose="020B0604020202020204" pitchFamily="34" charset="0"/>
         <a:buChar char="•"/>
-        <a:defRPr sz="1236" kern="1200">
+        <a:defRPr sz="1472" kern="1200">
           <a:solidFill>
             <a:schemeClr val="tx1"/>
           </a:solidFill>
@@ -2741,16 +2746,16 @@
           <a:cs typeface="+mn-cs"/>
         </a:defRPr>
       </a:lvl3pPr>
-      <a:lvl4pPr marL="989084" indent="-141298" algn="l" defTabSz="565191" rtl="0" eaLnBrk="1" latinLnBrk="0" hangingPunct="1">
+      <a:lvl4pPr marL="1177907" indent="-168272" algn="l" defTabSz="673090" rtl="0" eaLnBrk="1" latinLnBrk="0" hangingPunct="1">
         <a:lnSpc>
           <a:spcPct val="90000"/>
         </a:lnSpc>
         <a:spcBef>
-          <a:spcPts val="309"/>
+          <a:spcPts val="368"/>
         </a:spcBef>
         <a:buFont typeface="Arial" panose="020B0604020202020204" pitchFamily="34" charset="0"/>
         <a:buChar char="•"/>
-        <a:defRPr sz="1113" kern="1200">
+        <a:defRPr sz="1325" kern="1200">
           <a:solidFill>
             <a:schemeClr val="tx1"/>
           </a:solidFill>
@@ -2759,16 +2764,16 @@
           <a:cs typeface="+mn-cs"/>
         </a:defRPr>
       </a:lvl4pPr>
-      <a:lvl5pPr marL="1271679" indent="-141298" algn="l" defTabSz="565191" rtl="0" eaLnBrk="1" latinLnBrk="0" hangingPunct="1">
+      <a:lvl5pPr marL="1514452" indent="-168272" algn="l" defTabSz="673090" rtl="0" eaLnBrk="1" latinLnBrk="0" hangingPunct="1">
         <a:lnSpc>
           <a:spcPct val="90000"/>
         </a:lnSpc>
         <a:spcBef>
-          <a:spcPts val="309"/>
+          <a:spcPts val="368"/>
         </a:spcBef>
         <a:buFont typeface="Arial" panose="020B0604020202020204" pitchFamily="34" charset="0"/>
         <a:buChar char="•"/>
-        <a:defRPr sz="1113" kern="1200">
+        <a:defRPr sz="1325" kern="1200">
           <a:solidFill>
             <a:schemeClr val="tx1"/>
           </a:solidFill>
@@ -2777,16 +2782,16 @@
           <a:cs typeface="+mn-cs"/>
         </a:defRPr>
       </a:lvl5pPr>
-      <a:lvl6pPr marL="1554274" indent="-141298" algn="l" defTabSz="565191" rtl="0" eaLnBrk="1" latinLnBrk="0" hangingPunct="1">
+      <a:lvl6pPr marL="1850997" indent="-168272" algn="l" defTabSz="673090" rtl="0" eaLnBrk="1" latinLnBrk="0" hangingPunct="1">
         <a:lnSpc>
           <a:spcPct val="90000"/>
         </a:lnSpc>
         <a:spcBef>
-          <a:spcPts val="309"/>
+          <a:spcPts val="368"/>
         </a:spcBef>
         <a:buFont typeface="Arial" panose="020B0604020202020204" pitchFamily="34" charset="0"/>
         <a:buChar char="•"/>
-        <a:defRPr sz="1113" kern="1200">
+        <a:defRPr sz="1325" kern="1200">
           <a:solidFill>
             <a:schemeClr val="tx1"/>
           </a:solidFill>
@@ -2795,16 +2800,16 @@
           <a:cs typeface="+mn-cs"/>
         </a:defRPr>
       </a:lvl6pPr>
-      <a:lvl7pPr marL="1836870" indent="-141298" algn="l" defTabSz="565191" rtl="0" eaLnBrk="1" latinLnBrk="0" hangingPunct="1">
+      <a:lvl7pPr marL="2187542" indent="-168272" algn="l" defTabSz="673090" rtl="0" eaLnBrk="1" latinLnBrk="0" hangingPunct="1">
         <a:lnSpc>
           <a:spcPct val="90000"/>
         </a:lnSpc>
         <a:spcBef>
-          <a:spcPts val="309"/>
+          <a:spcPts val="368"/>
         </a:spcBef>
         <a:buFont typeface="Arial" panose="020B0604020202020204" pitchFamily="34" charset="0"/>
         <a:buChar char="•"/>
-        <a:defRPr sz="1113" kern="1200">
+        <a:defRPr sz="1325" kern="1200">
           <a:solidFill>
             <a:schemeClr val="tx1"/>
           </a:solidFill>
@@ -2813,16 +2818,16 @@
           <a:cs typeface="+mn-cs"/>
         </a:defRPr>
       </a:lvl7pPr>
-      <a:lvl8pPr marL="2119465" indent="-141298" algn="l" defTabSz="565191" rtl="0" eaLnBrk="1" latinLnBrk="0" hangingPunct="1">
+      <a:lvl8pPr marL="2524087" indent="-168272" algn="l" defTabSz="673090" rtl="0" eaLnBrk="1" latinLnBrk="0" hangingPunct="1">
         <a:lnSpc>
           <a:spcPct val="90000"/>
         </a:lnSpc>
         <a:spcBef>
-          <a:spcPts val="309"/>
+          <a:spcPts val="368"/>
         </a:spcBef>
         <a:buFont typeface="Arial" panose="020B0604020202020204" pitchFamily="34" charset="0"/>
         <a:buChar char="•"/>
-        <a:defRPr sz="1113" kern="1200">
+        <a:defRPr sz="1325" kern="1200">
           <a:solidFill>
             <a:schemeClr val="tx1"/>
           </a:solidFill>
@@ -2831,16 +2836,16 @@
           <a:cs typeface="+mn-cs"/>
         </a:defRPr>
       </a:lvl8pPr>
-      <a:lvl9pPr marL="2402060" indent="-141298" algn="l" defTabSz="565191" rtl="0" eaLnBrk="1" latinLnBrk="0" hangingPunct="1">
+      <a:lvl9pPr marL="2860632" indent="-168272" algn="l" defTabSz="673090" rtl="0" eaLnBrk="1" latinLnBrk="0" hangingPunct="1">
         <a:lnSpc>
           <a:spcPct val="90000"/>
         </a:lnSpc>
         <a:spcBef>
-          <a:spcPts val="309"/>
+          <a:spcPts val="368"/>
         </a:spcBef>
         <a:buFont typeface="Arial" panose="020B0604020202020204" pitchFamily="34" charset="0"/>
         <a:buChar char="•"/>
-        <a:defRPr sz="1113" kern="1200">
+        <a:defRPr sz="1325" kern="1200">
           <a:solidFill>
             <a:schemeClr val="tx1"/>
           </a:solidFill>
@@ -2854,8 +2859,8 @@
       <a:defPPr>
         <a:defRPr lang="en-US"/>
       </a:defPPr>
-      <a:lvl1pPr marL="0" algn="l" defTabSz="565191" rtl="0" eaLnBrk="1" latinLnBrk="0" hangingPunct="1">
-        <a:defRPr sz="1113" kern="1200">
+      <a:lvl1pPr marL="0" algn="l" defTabSz="673090" rtl="0" eaLnBrk="1" latinLnBrk="0" hangingPunct="1">
+        <a:defRPr sz="1325" kern="1200">
           <a:solidFill>
             <a:schemeClr val="tx1"/>
           </a:solidFill>
@@ -2864,8 +2869,8 @@
           <a:cs typeface="+mn-cs"/>
         </a:defRPr>
       </a:lvl1pPr>
-      <a:lvl2pPr marL="282595" algn="l" defTabSz="565191" rtl="0" eaLnBrk="1" latinLnBrk="0" hangingPunct="1">
-        <a:defRPr sz="1113" kern="1200">
+      <a:lvl2pPr marL="336545" algn="l" defTabSz="673090" rtl="0" eaLnBrk="1" latinLnBrk="0" hangingPunct="1">
+        <a:defRPr sz="1325" kern="1200">
           <a:solidFill>
             <a:schemeClr val="tx1"/>
           </a:solidFill>
@@ -2874,8 +2879,8 @@
           <a:cs typeface="+mn-cs"/>
         </a:defRPr>
       </a:lvl2pPr>
-      <a:lvl3pPr marL="565191" algn="l" defTabSz="565191" rtl="0" eaLnBrk="1" latinLnBrk="0" hangingPunct="1">
-        <a:defRPr sz="1113" kern="1200">
+      <a:lvl3pPr marL="673090" algn="l" defTabSz="673090" rtl="0" eaLnBrk="1" latinLnBrk="0" hangingPunct="1">
+        <a:defRPr sz="1325" kern="1200">
           <a:solidFill>
             <a:schemeClr val="tx1"/>
           </a:solidFill>
@@ -2884,8 +2889,8 @@
           <a:cs typeface="+mn-cs"/>
         </a:defRPr>
       </a:lvl3pPr>
-      <a:lvl4pPr marL="847786" algn="l" defTabSz="565191" rtl="0" eaLnBrk="1" latinLnBrk="0" hangingPunct="1">
-        <a:defRPr sz="1113" kern="1200">
+      <a:lvl4pPr marL="1009635" algn="l" defTabSz="673090" rtl="0" eaLnBrk="1" latinLnBrk="0" hangingPunct="1">
+        <a:defRPr sz="1325" kern="1200">
           <a:solidFill>
             <a:schemeClr val="tx1"/>
           </a:solidFill>
@@ -2894,8 +2899,8 @@
           <a:cs typeface="+mn-cs"/>
         </a:defRPr>
       </a:lvl4pPr>
-      <a:lvl5pPr marL="1130381" algn="l" defTabSz="565191" rtl="0" eaLnBrk="1" latinLnBrk="0" hangingPunct="1">
-        <a:defRPr sz="1113" kern="1200">
+      <a:lvl5pPr marL="1346180" algn="l" defTabSz="673090" rtl="0" eaLnBrk="1" latinLnBrk="0" hangingPunct="1">
+        <a:defRPr sz="1325" kern="1200">
           <a:solidFill>
             <a:schemeClr val="tx1"/>
           </a:solidFill>
@@ -2904,8 +2909,8 @@
           <a:cs typeface="+mn-cs"/>
         </a:defRPr>
       </a:lvl5pPr>
-      <a:lvl6pPr marL="1412977" algn="l" defTabSz="565191" rtl="0" eaLnBrk="1" latinLnBrk="0" hangingPunct="1">
-        <a:defRPr sz="1113" kern="1200">
+      <a:lvl6pPr marL="1682725" algn="l" defTabSz="673090" rtl="0" eaLnBrk="1" latinLnBrk="0" hangingPunct="1">
+        <a:defRPr sz="1325" kern="1200">
           <a:solidFill>
             <a:schemeClr val="tx1"/>
           </a:solidFill>
@@ -2914,8 +2919,8 @@
           <a:cs typeface="+mn-cs"/>
         </a:defRPr>
       </a:lvl6pPr>
-      <a:lvl7pPr marL="1695572" algn="l" defTabSz="565191" rtl="0" eaLnBrk="1" latinLnBrk="0" hangingPunct="1">
-        <a:defRPr sz="1113" kern="1200">
+      <a:lvl7pPr marL="2019270" algn="l" defTabSz="673090" rtl="0" eaLnBrk="1" latinLnBrk="0" hangingPunct="1">
+        <a:defRPr sz="1325" kern="1200">
           <a:solidFill>
             <a:schemeClr val="tx1"/>
           </a:solidFill>
@@ -2924,8 +2929,8 @@
           <a:cs typeface="+mn-cs"/>
         </a:defRPr>
       </a:lvl7pPr>
-      <a:lvl8pPr marL="1978167" algn="l" defTabSz="565191" rtl="0" eaLnBrk="1" latinLnBrk="0" hangingPunct="1">
-        <a:defRPr sz="1113" kern="1200">
+      <a:lvl8pPr marL="2355814" algn="l" defTabSz="673090" rtl="0" eaLnBrk="1" latinLnBrk="0" hangingPunct="1">
+        <a:defRPr sz="1325" kern="1200">
           <a:solidFill>
             <a:schemeClr val="tx1"/>
           </a:solidFill>
@@ -2934,8 +2939,8 @@
           <a:cs typeface="+mn-cs"/>
         </a:defRPr>
       </a:lvl8pPr>
-      <a:lvl9pPr marL="2260763" algn="l" defTabSz="565191" rtl="0" eaLnBrk="1" latinLnBrk="0" hangingPunct="1">
-        <a:defRPr sz="1113" kern="1200">
+      <a:lvl9pPr marL="2692359" algn="l" defTabSz="673090" rtl="0" eaLnBrk="1" latinLnBrk="0" hangingPunct="1">
+        <a:defRPr sz="1325" kern="1200">
           <a:solidFill>
             <a:schemeClr val="tx1"/>
           </a:solidFill>
@@ -2974,8 +2979,8 @@
         </p:nvGrpSpPr>
         <p:grpSpPr>
           <a:xfrm>
-            <a:off x="547618" y="121205"/>
-            <a:ext cx="4604617" cy="5166807"/>
+            <a:off x="124106" y="107249"/>
+            <a:ext cx="6509316" cy="5166807"/>
             <a:chOff x="1433440" y="1124495"/>
             <a:chExt cx="4604617" cy="5166807"/>
           </a:xfrm>
@@ -2994,6 +2999,9 @@
             <a:prstGeom prst="rect">
               <a:avLst/>
             </a:prstGeom>
+            <a:solidFill>
+              <a:schemeClr val="accent6"/>
+            </a:solidFill>
           </p:spPr>
           <p:style>
             <a:lnRef idx="2">
@@ -3022,11 +3030,15 @@
             <a:p>
               <a:pPr algn="ctr"/>
               <a:r>
-                <a:rPr lang="zh-CN" altLang="en-US" sz="1544" dirty="0"/>
+                <a:rPr lang="zh-CN" altLang="en-US" dirty="0">
+                  <a:solidFill>
+                    <a:schemeClr val="tx1"/>
+                  </a:solidFill>
+                </a:rPr>
                 <a:t>第一章 </a:t>
               </a:r>
               <a:r>
-                <a:rPr lang="zh-CN" altLang="en-US" sz="1985" dirty="0">
+                <a:rPr lang="zh-CN" altLang="en-US" dirty="0">
                   <a:ln w="0"/>
                   <a:solidFill>
                     <a:schemeClr val="tx1"/>
@@ -3152,6 +3164,9 @@
               <a:prstGeom prst="rect">
                 <a:avLst/>
               </a:prstGeom>
+              <a:solidFill>
+                <a:schemeClr val="accent6"/>
+              </a:solidFill>
             </p:spPr>
             <p:style>
               <a:lnRef idx="2">
@@ -3180,11 +3195,15 @@
               <a:p>
                 <a:pPr algn="ctr"/>
                 <a:r>
-                  <a:rPr lang="zh-CN" altLang="en-US" sz="1544" dirty="0"/>
+                  <a:rPr lang="zh-CN" altLang="en-US" dirty="0">
+                    <a:solidFill>
+                      <a:schemeClr val="tx1"/>
+                    </a:solidFill>
+                  </a:rPr>
                   <a:t>第二章 </a:t>
                 </a:r>
                 <a:r>
-                  <a:rPr lang="zh-CN" altLang="en-US" sz="1985" dirty="0">
+                  <a:rPr lang="zh-CN" altLang="en-US" dirty="0" smtClean="0">
                     <a:ln w="0"/>
                     <a:solidFill>
                       <a:schemeClr val="tx1"/>
@@ -3197,8 +3216,21 @@
                       </a:outerShdw>
                     </a:effectLst>
                   </a:rPr>
-                  <a:t>概述</a:t>
+                  <a:t>相关概念和技术</a:t>
                 </a:r>
+                <a:endParaRPr lang="zh-CN" altLang="en-US" dirty="0">
+                  <a:ln w="0"/>
+                  <a:solidFill>
+                    <a:schemeClr val="tx1"/>
+                  </a:solidFill>
+                  <a:effectLst>
+                    <a:outerShdw blurRad="38100" dist="19050" dir="2700000" algn="tl" rotWithShape="0">
+                      <a:schemeClr val="dk1">
+                        <a:alpha val="40000"/>
+                      </a:schemeClr>
+                    </a:outerShdw>
+                  </a:effectLst>
+                </a:endParaRPr>
               </a:p>
             </p:txBody>
           </p:sp>
@@ -3483,6 +3515,9 @@
               <a:prstGeom prst="rect">
                 <a:avLst/>
               </a:prstGeom>
+              <a:solidFill>
+                <a:schemeClr val="accent6"/>
+              </a:solidFill>
             </p:spPr>
             <p:style>
               <a:lnRef idx="2">
@@ -3511,11 +3546,15 @@
               <a:p>
                 <a:pPr algn="ctr"/>
                 <a:r>
-                  <a:rPr lang="zh-CN" altLang="en-US" sz="1544" dirty="0"/>
+                  <a:rPr lang="zh-CN" altLang="en-US" dirty="0">
+                    <a:solidFill>
+                      <a:schemeClr val="tx1"/>
+                    </a:solidFill>
+                  </a:rPr>
                   <a:t>第五章 </a:t>
                 </a:r>
                 <a:r>
-                  <a:rPr lang="zh-CN" altLang="en-US" sz="1985" dirty="0">
+                  <a:rPr lang="zh-CN" altLang="en-US" dirty="0">
                     <a:ln w="0"/>
                     <a:solidFill>
                       <a:schemeClr val="tx1"/>
@@ -3715,7 +3754,7 @@
                 <a:avLst/>
               </a:prstGeom>
               <a:solidFill>
-                <a:schemeClr val="accent2"/>
+                <a:schemeClr val="accent6"/>
               </a:solidFill>
             </p:spPr>
             <p:style>
@@ -3745,20 +3784,52 @@
               <a:p>
                 <a:pPr algn="ctr"/>
                 <a:r>
-                  <a:rPr lang="zh-CN" altLang="en-US" sz="1323" dirty="0"/>
+                  <a:rPr lang="zh-CN" altLang="en-US" sz="1323" dirty="0">
+                    <a:solidFill>
+                      <a:schemeClr val="tx1"/>
+                    </a:solidFill>
+                  </a:rPr>
                   <a:t>第三章</a:t>
                 </a:r>
-                <a:endParaRPr lang="en-US" altLang="zh-CN" sz="1323" dirty="0"/>
+                <a:endParaRPr lang="en-US" altLang="zh-CN" sz="1323" dirty="0">
+                  <a:solidFill>
+                    <a:schemeClr val="tx1"/>
+                  </a:solidFill>
+                </a:endParaRPr>
               </a:p>
               <a:p>
                 <a:pPr algn="ctr"/>
+                <a:r>
+                  <a:rPr lang="zh-CN" altLang="en-US" sz="1323" b="1" dirty="0" smtClean="0">
+                    <a:solidFill>
+                      <a:schemeClr val="tx1"/>
+                    </a:solidFill>
+                  </a:rPr>
+                  <a:t>基于深度强化学习的</a:t>
+                </a:r>
+                <a:r>
+                  <a:rPr lang="zh-CN" altLang="en-US" sz="1323" b="1" dirty="0" smtClean="0">
+                    <a:solidFill>
+                      <a:srgbClr val="FF0000"/>
+                    </a:solidFill>
+                  </a:rPr>
+                  <a:t>单</a:t>
+                </a:r>
+                <a:r>
+                  <a:rPr lang="zh-CN" altLang="en-US" sz="1323" b="1" dirty="0">
+                    <a:solidFill>
+                      <a:srgbClr val="FF0000"/>
+                    </a:solidFill>
+                  </a:rPr>
+                  <a:t>路口</a:t>
+                </a:r>
                 <a:r>
                   <a:rPr lang="zh-CN" altLang="en-US" sz="1323" b="1" dirty="0">
                     <a:solidFill>
                       <a:schemeClr val="tx1"/>
                     </a:solidFill>
                   </a:rPr>
-                  <a:t>基于深度强化学习的单路口智能交通信号调度</a:t>
+                  <a:t>智能交通信号调度</a:t>
                 </a:r>
               </a:p>
               <a:p>
@@ -3786,7 +3857,7 @@
                 <a:avLst/>
               </a:prstGeom>
               <a:solidFill>
-                <a:schemeClr val="accent2"/>
+                <a:schemeClr val="accent6"/>
               </a:solidFill>
             </p:spPr>
             <p:style>
@@ -3816,10 +3887,18 @@
               <a:p>
                 <a:pPr algn="ctr"/>
                 <a:r>
-                  <a:rPr lang="zh-CN" altLang="en-US" sz="1323" dirty="0"/>
+                  <a:rPr lang="zh-CN" altLang="en-US" sz="1323" dirty="0">
+                    <a:solidFill>
+                      <a:schemeClr val="tx1"/>
+                    </a:solidFill>
+                  </a:rPr>
                   <a:t>第四章</a:t>
                 </a:r>
-                <a:endParaRPr lang="en-US" altLang="zh-CN" sz="1323" dirty="0"/>
+                <a:endParaRPr lang="en-US" altLang="zh-CN" sz="1323" dirty="0">
+                  <a:solidFill>
+                    <a:schemeClr val="tx1"/>
+                  </a:solidFill>
+                </a:endParaRPr>
               </a:p>
               <a:p>
                 <a:pPr algn="ctr"/>
@@ -3829,7 +3908,23 @@
                       <a:schemeClr val="tx1"/>
                     </a:solidFill>
                   </a:rPr>
-                  <a:t>基于深度强化学习的多路口智能交通信号调度</a:t>
+                  <a:t>基于深度强化学习的</a:t>
+                </a:r>
+                <a:r>
+                  <a:rPr lang="zh-CN" altLang="en-US" sz="1323" b="1" dirty="0">
+                    <a:solidFill>
+                      <a:srgbClr val="FF0000"/>
+                    </a:solidFill>
+                  </a:rPr>
+                  <a:t>多路口</a:t>
+                </a:r>
+                <a:r>
+                  <a:rPr lang="zh-CN" altLang="en-US" sz="1323" b="1" dirty="0">
+                    <a:solidFill>
+                      <a:schemeClr val="tx1"/>
+                    </a:solidFill>
+                  </a:rPr>
+                  <a:t>智能交通信号调度</a:t>
                 </a:r>
               </a:p>
               <a:p>
